--- a/Lecture8.pptx
+++ b/Lecture8.pptx
@@ -241,7 +241,7 @@
           <a:p>
             <a:fld id="{63A8C7BE-EE36-44DC-8DE2-54CEB92E8F58}" type="datetimeFigureOut">
               <a:rPr lang="ko-KR" altLang="en-US" smtClean="0"/>
-              <a:t>2019-05-08</a:t>
+              <a:t>2019-05-15</a:t>
             </a:fld>
             <a:endParaRPr lang="ko-KR" altLang="en-US"/>
           </a:p>
@@ -687,7 +687,7 @@
           <a:p>
             <a:fld id="{FB30EDBD-1C2D-4C1E-B459-B60219FAB484}" type="datetimeFigureOut">
               <a:rPr lang="ko-KR" altLang="en-US" smtClean="0"/>
-              <a:t>2019-05-08</a:t>
+              <a:t>2019-05-15</a:t>
             </a:fld>
             <a:endParaRPr lang="ko-KR" altLang="en-US"/>
           </a:p>
@@ -850,7 +850,7 @@
           <a:p>
             <a:fld id="{FB30EDBD-1C2D-4C1E-B459-B60219FAB484}" type="datetimeFigureOut">
               <a:rPr lang="ko-KR" altLang="en-US" smtClean="0"/>
-              <a:t>2019-05-08</a:t>
+              <a:t>2019-05-15</a:t>
             </a:fld>
             <a:endParaRPr lang="ko-KR" altLang="en-US"/>
           </a:p>
@@ -1023,7 +1023,7 @@
           <a:p>
             <a:fld id="{FB30EDBD-1C2D-4C1E-B459-B60219FAB484}" type="datetimeFigureOut">
               <a:rPr lang="ko-KR" altLang="en-US" smtClean="0"/>
-              <a:t>2019-05-08</a:t>
+              <a:t>2019-05-15</a:t>
             </a:fld>
             <a:endParaRPr lang="ko-KR" altLang="en-US"/>
           </a:p>
@@ -1186,7 +1186,7 @@
           <a:p>
             <a:fld id="{FB30EDBD-1C2D-4C1E-B459-B60219FAB484}" type="datetimeFigureOut">
               <a:rPr lang="ko-KR" altLang="en-US" smtClean="0"/>
-              <a:t>2019-05-08</a:t>
+              <a:t>2019-05-15</a:t>
             </a:fld>
             <a:endParaRPr lang="ko-KR" altLang="en-US"/>
           </a:p>
@@ -1426,7 +1426,7 @@
           <a:p>
             <a:fld id="{FB30EDBD-1C2D-4C1E-B459-B60219FAB484}" type="datetimeFigureOut">
               <a:rPr lang="ko-KR" altLang="en-US" smtClean="0"/>
-              <a:t>2019-05-08</a:t>
+              <a:t>2019-05-15</a:t>
             </a:fld>
             <a:endParaRPr lang="ko-KR" altLang="en-US"/>
           </a:p>
@@ -1706,7 +1706,7 @@
           <a:p>
             <a:fld id="{FB30EDBD-1C2D-4C1E-B459-B60219FAB484}" type="datetimeFigureOut">
               <a:rPr lang="ko-KR" altLang="en-US" smtClean="0"/>
-              <a:t>2019-05-08</a:t>
+              <a:t>2019-05-15</a:t>
             </a:fld>
             <a:endParaRPr lang="ko-KR" altLang="en-US"/>
           </a:p>
@@ -2120,7 +2120,7 @@
           <a:p>
             <a:fld id="{FB30EDBD-1C2D-4C1E-B459-B60219FAB484}" type="datetimeFigureOut">
               <a:rPr lang="ko-KR" altLang="en-US" smtClean="0"/>
-              <a:t>2019-05-08</a:t>
+              <a:t>2019-05-15</a:t>
             </a:fld>
             <a:endParaRPr lang="ko-KR" altLang="en-US"/>
           </a:p>
@@ -2232,7 +2232,7 @@
           <a:p>
             <a:fld id="{FB30EDBD-1C2D-4C1E-B459-B60219FAB484}" type="datetimeFigureOut">
               <a:rPr lang="ko-KR" altLang="en-US" smtClean="0"/>
-              <a:t>2019-05-08</a:t>
+              <a:t>2019-05-15</a:t>
             </a:fld>
             <a:endParaRPr lang="ko-KR" altLang="en-US"/>
           </a:p>
@@ -2322,7 +2322,7 @@
           <a:p>
             <a:fld id="{FB30EDBD-1C2D-4C1E-B459-B60219FAB484}" type="datetimeFigureOut">
               <a:rPr lang="ko-KR" altLang="en-US" smtClean="0"/>
-              <a:t>2019-05-08</a:t>
+              <a:t>2019-05-15</a:t>
             </a:fld>
             <a:endParaRPr lang="ko-KR" altLang="en-US"/>
           </a:p>
@@ -2592,7 +2592,7 @@
           <a:p>
             <a:fld id="{FB30EDBD-1C2D-4C1E-B459-B60219FAB484}" type="datetimeFigureOut">
               <a:rPr lang="ko-KR" altLang="en-US" smtClean="0"/>
-              <a:t>2019-05-08</a:t>
+              <a:t>2019-05-15</a:t>
             </a:fld>
             <a:endParaRPr lang="ko-KR" altLang="en-US"/>
           </a:p>
@@ -2839,7 +2839,7 @@
           <a:p>
             <a:fld id="{FB30EDBD-1C2D-4C1E-B459-B60219FAB484}" type="datetimeFigureOut">
               <a:rPr lang="ko-KR" altLang="en-US" smtClean="0"/>
-              <a:t>2019-05-08</a:t>
+              <a:t>2019-05-15</a:t>
             </a:fld>
             <a:endParaRPr lang="ko-KR" altLang="en-US"/>
           </a:p>
@@ -3045,7 +3045,7 @@
           <a:p>
             <a:fld id="{FB30EDBD-1C2D-4C1E-B459-B60219FAB484}" type="datetimeFigureOut">
               <a:rPr lang="ko-KR" altLang="en-US" smtClean="0"/>
-              <a:t>2019-05-08</a:t>
+              <a:t>2019-05-15</a:t>
             </a:fld>
             <a:endParaRPr lang="ko-KR" altLang="en-US"/>
           </a:p>
@@ -13254,6 +13254,486 @@
           </a:fontRef>
         </p:style>
       </p:cxnSp>
+      <p:sp>
+        <p:nvSpPr>
+          <p:cNvPr id="10" name="직사각형 9">
+            <a:extLst>
+              <a:ext uri="{FF2B5EF4-FFF2-40B4-BE49-F238E27FC236}">
+                <a16:creationId xmlns:a16="http://schemas.microsoft.com/office/drawing/2014/main" id="{7E5BED89-E801-4732-8ECB-33AD0709B415}"/>
+              </a:ext>
+            </a:extLst>
+          </p:cNvPr>
+          <p:cNvSpPr/>
+          <p:nvPr/>
+        </p:nvSpPr>
+        <p:spPr>
+          <a:xfrm>
+            <a:off x="7824192" y="2432933"/>
+            <a:ext cx="524694" cy="453891"/>
+          </a:xfrm>
+          <a:prstGeom prst="rect">
+            <a:avLst/>
+          </a:prstGeom>
+        </p:spPr>
+        <p:style>
+          <a:lnRef idx="2">
+            <a:schemeClr val="dk1"/>
+          </a:lnRef>
+          <a:fillRef idx="1">
+            <a:schemeClr val="lt1"/>
+          </a:fillRef>
+          <a:effectRef idx="0">
+            <a:schemeClr val="dk1"/>
+          </a:effectRef>
+          <a:fontRef idx="minor">
+            <a:schemeClr val="dk1"/>
+          </a:fontRef>
+        </p:style>
+        <p:txBody>
+          <a:bodyPr rtlCol="0" anchor="ctr"/>
+          <a:lstStyle/>
+          <a:p>
+            <a:pPr algn="ctr"/>
+            <a:r>
+              <a:rPr lang="en-US" altLang="ko-KR" dirty="0"/>
+              <a:t>1</a:t>
+            </a:r>
+            <a:endParaRPr lang="ko-KR" altLang="en-US" dirty="0"/>
+          </a:p>
+        </p:txBody>
+      </p:sp>
+      <p:sp>
+        <p:nvSpPr>
+          <p:cNvPr id="53" name="직사각형 52">
+            <a:extLst>
+              <a:ext uri="{FF2B5EF4-FFF2-40B4-BE49-F238E27FC236}">
+                <a16:creationId xmlns:a16="http://schemas.microsoft.com/office/drawing/2014/main" id="{26D4EC71-FC6B-42C7-861C-D6E70F6FC7CF}"/>
+              </a:ext>
+            </a:extLst>
+          </p:cNvPr>
+          <p:cNvSpPr/>
+          <p:nvPr/>
+        </p:nvSpPr>
+        <p:spPr>
+          <a:xfrm>
+            <a:off x="7824192" y="2888483"/>
+            <a:ext cx="524694" cy="453891"/>
+          </a:xfrm>
+          <a:prstGeom prst="rect">
+            <a:avLst/>
+          </a:prstGeom>
+        </p:spPr>
+        <p:style>
+          <a:lnRef idx="2">
+            <a:schemeClr val="dk1"/>
+          </a:lnRef>
+          <a:fillRef idx="1">
+            <a:schemeClr val="lt1"/>
+          </a:fillRef>
+          <a:effectRef idx="0">
+            <a:schemeClr val="dk1"/>
+          </a:effectRef>
+          <a:fontRef idx="minor">
+            <a:schemeClr val="dk1"/>
+          </a:fontRef>
+        </p:style>
+        <p:txBody>
+          <a:bodyPr rtlCol="0" anchor="ctr"/>
+          <a:lstStyle/>
+          <a:p>
+            <a:pPr algn="ctr"/>
+            <a:r>
+              <a:rPr lang="en-US" altLang="ko-KR" dirty="0"/>
+              <a:t>2</a:t>
+            </a:r>
+            <a:endParaRPr lang="ko-KR" altLang="en-US" dirty="0"/>
+          </a:p>
+        </p:txBody>
+      </p:sp>
+      <p:sp>
+        <p:nvSpPr>
+          <p:cNvPr id="55" name="직사각형 54">
+            <a:extLst>
+              <a:ext uri="{FF2B5EF4-FFF2-40B4-BE49-F238E27FC236}">
+                <a16:creationId xmlns:a16="http://schemas.microsoft.com/office/drawing/2014/main" id="{C5ABB8AD-B122-4B19-84FF-FC9FC2647772}"/>
+              </a:ext>
+            </a:extLst>
+          </p:cNvPr>
+          <p:cNvSpPr/>
+          <p:nvPr/>
+        </p:nvSpPr>
+        <p:spPr>
+          <a:xfrm>
+            <a:off x="7824192" y="3336840"/>
+            <a:ext cx="524694" cy="453891"/>
+          </a:xfrm>
+          <a:prstGeom prst="rect">
+            <a:avLst/>
+          </a:prstGeom>
+        </p:spPr>
+        <p:style>
+          <a:lnRef idx="2">
+            <a:schemeClr val="dk1"/>
+          </a:lnRef>
+          <a:fillRef idx="1">
+            <a:schemeClr val="lt1"/>
+          </a:fillRef>
+          <a:effectRef idx="0">
+            <a:schemeClr val="dk1"/>
+          </a:effectRef>
+          <a:fontRef idx="minor">
+            <a:schemeClr val="dk1"/>
+          </a:fontRef>
+        </p:style>
+        <p:txBody>
+          <a:bodyPr rtlCol="0" anchor="ctr"/>
+          <a:lstStyle/>
+          <a:p>
+            <a:pPr algn="ctr"/>
+            <a:r>
+              <a:rPr lang="en-US" altLang="ko-KR" dirty="0"/>
+              <a:t>3</a:t>
+            </a:r>
+            <a:endParaRPr lang="ko-KR" altLang="en-US" dirty="0"/>
+          </a:p>
+        </p:txBody>
+      </p:sp>
+      <p:sp>
+        <p:nvSpPr>
+          <p:cNvPr id="57" name="직사각형 56">
+            <a:extLst>
+              <a:ext uri="{FF2B5EF4-FFF2-40B4-BE49-F238E27FC236}">
+                <a16:creationId xmlns:a16="http://schemas.microsoft.com/office/drawing/2014/main" id="{DC9A52CF-88FC-46F1-99A3-7C01F303DD47}"/>
+              </a:ext>
+            </a:extLst>
+          </p:cNvPr>
+          <p:cNvSpPr/>
+          <p:nvPr/>
+        </p:nvSpPr>
+        <p:spPr>
+          <a:xfrm>
+            <a:off x="7824192" y="3798449"/>
+            <a:ext cx="524694" cy="453891"/>
+          </a:xfrm>
+          <a:prstGeom prst="rect">
+            <a:avLst/>
+          </a:prstGeom>
+        </p:spPr>
+        <p:style>
+          <a:lnRef idx="2">
+            <a:schemeClr val="dk1"/>
+          </a:lnRef>
+          <a:fillRef idx="1">
+            <a:schemeClr val="lt1"/>
+          </a:fillRef>
+          <a:effectRef idx="0">
+            <a:schemeClr val="dk1"/>
+          </a:effectRef>
+          <a:fontRef idx="minor">
+            <a:schemeClr val="dk1"/>
+          </a:fontRef>
+        </p:style>
+        <p:txBody>
+          <a:bodyPr rtlCol="0" anchor="ctr"/>
+          <a:lstStyle/>
+          <a:p>
+            <a:pPr algn="ctr"/>
+            <a:r>
+              <a:rPr lang="en-US" altLang="ko-KR" dirty="0"/>
+              <a:t>4</a:t>
+            </a:r>
+            <a:endParaRPr lang="ko-KR" altLang="en-US" dirty="0"/>
+          </a:p>
+        </p:txBody>
+      </p:sp>
+      <p:sp>
+        <p:nvSpPr>
+          <p:cNvPr id="59" name="직사각형 58">
+            <a:extLst>
+              <a:ext uri="{FF2B5EF4-FFF2-40B4-BE49-F238E27FC236}">
+                <a16:creationId xmlns:a16="http://schemas.microsoft.com/office/drawing/2014/main" id="{A063761A-F07E-4E6E-98D8-358656ADE738}"/>
+              </a:ext>
+            </a:extLst>
+          </p:cNvPr>
+          <p:cNvSpPr/>
+          <p:nvPr/>
+        </p:nvSpPr>
+        <p:spPr>
+          <a:xfrm>
+            <a:off x="7824192" y="4243884"/>
+            <a:ext cx="524694" cy="453891"/>
+          </a:xfrm>
+          <a:prstGeom prst="rect">
+            <a:avLst/>
+          </a:prstGeom>
+        </p:spPr>
+        <p:style>
+          <a:lnRef idx="2">
+            <a:schemeClr val="dk1"/>
+          </a:lnRef>
+          <a:fillRef idx="1">
+            <a:schemeClr val="lt1"/>
+          </a:fillRef>
+          <a:effectRef idx="0">
+            <a:schemeClr val="dk1"/>
+          </a:effectRef>
+          <a:fontRef idx="minor">
+            <a:schemeClr val="dk1"/>
+          </a:fontRef>
+        </p:style>
+        <p:txBody>
+          <a:bodyPr rtlCol="0" anchor="ctr"/>
+          <a:lstStyle/>
+          <a:p>
+            <a:pPr algn="ctr"/>
+            <a:r>
+              <a:rPr lang="en-US" altLang="ko-KR" dirty="0"/>
+              <a:t>5</a:t>
+            </a:r>
+            <a:endParaRPr lang="ko-KR" altLang="en-US" dirty="0"/>
+          </a:p>
+        </p:txBody>
+      </p:sp>
+      <p:sp>
+        <p:nvSpPr>
+          <p:cNvPr id="60" name="직사각형 59">
+            <a:extLst>
+              <a:ext uri="{FF2B5EF4-FFF2-40B4-BE49-F238E27FC236}">
+                <a16:creationId xmlns:a16="http://schemas.microsoft.com/office/drawing/2014/main" id="{5DE0A1DA-6E7A-4D75-8978-002F7C29F7F4}"/>
+              </a:ext>
+            </a:extLst>
+          </p:cNvPr>
+          <p:cNvSpPr/>
+          <p:nvPr/>
+        </p:nvSpPr>
+        <p:spPr>
+          <a:xfrm>
+            <a:off x="7824192" y="4699434"/>
+            <a:ext cx="524694" cy="453891"/>
+          </a:xfrm>
+          <a:prstGeom prst="rect">
+            <a:avLst/>
+          </a:prstGeom>
+        </p:spPr>
+        <p:style>
+          <a:lnRef idx="2">
+            <a:schemeClr val="dk1"/>
+          </a:lnRef>
+          <a:fillRef idx="1">
+            <a:schemeClr val="lt1"/>
+          </a:fillRef>
+          <a:effectRef idx="0">
+            <a:schemeClr val="dk1"/>
+          </a:effectRef>
+          <a:fontRef idx="minor">
+            <a:schemeClr val="dk1"/>
+          </a:fontRef>
+        </p:style>
+        <p:txBody>
+          <a:bodyPr rtlCol="0" anchor="ctr"/>
+          <a:lstStyle/>
+          <a:p>
+            <a:pPr algn="ctr"/>
+            <a:r>
+              <a:rPr lang="en-US" altLang="ko-KR" dirty="0"/>
+              <a:t>6</a:t>
+            </a:r>
+            <a:endParaRPr lang="ko-KR" altLang="en-US" dirty="0"/>
+          </a:p>
+        </p:txBody>
+      </p:sp>
+      <p:sp>
+        <p:nvSpPr>
+          <p:cNvPr id="62" name="직사각형 61">
+            <a:extLst>
+              <a:ext uri="{FF2B5EF4-FFF2-40B4-BE49-F238E27FC236}">
+                <a16:creationId xmlns:a16="http://schemas.microsoft.com/office/drawing/2014/main" id="{8421F836-B18E-4AF7-980B-7B856AF5F8C2}"/>
+              </a:ext>
+            </a:extLst>
+          </p:cNvPr>
+          <p:cNvSpPr/>
+          <p:nvPr/>
+        </p:nvSpPr>
+        <p:spPr>
+          <a:xfrm>
+            <a:off x="7824192" y="5147791"/>
+            <a:ext cx="524694" cy="453891"/>
+          </a:xfrm>
+          <a:prstGeom prst="rect">
+            <a:avLst/>
+          </a:prstGeom>
+        </p:spPr>
+        <p:style>
+          <a:lnRef idx="2">
+            <a:schemeClr val="dk1"/>
+          </a:lnRef>
+          <a:fillRef idx="1">
+            <a:schemeClr val="lt1"/>
+          </a:fillRef>
+          <a:effectRef idx="0">
+            <a:schemeClr val="dk1"/>
+          </a:effectRef>
+          <a:fontRef idx="minor">
+            <a:schemeClr val="dk1"/>
+          </a:fontRef>
+        </p:style>
+        <p:txBody>
+          <a:bodyPr rtlCol="0" anchor="ctr"/>
+          <a:lstStyle/>
+          <a:p>
+            <a:pPr algn="ctr"/>
+            <a:r>
+              <a:rPr lang="en-US" altLang="ko-KR" dirty="0"/>
+              <a:t>7</a:t>
+            </a:r>
+            <a:endParaRPr lang="ko-KR" altLang="en-US" dirty="0"/>
+          </a:p>
+        </p:txBody>
+      </p:sp>
+      <p:sp>
+        <p:nvSpPr>
+          <p:cNvPr id="64" name="직사각형 63">
+            <a:extLst>
+              <a:ext uri="{FF2B5EF4-FFF2-40B4-BE49-F238E27FC236}">
+                <a16:creationId xmlns:a16="http://schemas.microsoft.com/office/drawing/2014/main" id="{E65FFB8F-B7D4-4457-B2A1-51ABE8C5E879}"/>
+              </a:ext>
+            </a:extLst>
+          </p:cNvPr>
+          <p:cNvSpPr/>
+          <p:nvPr/>
+        </p:nvSpPr>
+        <p:spPr>
+          <a:xfrm>
+            <a:off x="7824192" y="5609400"/>
+            <a:ext cx="524694" cy="453891"/>
+          </a:xfrm>
+          <a:prstGeom prst="rect">
+            <a:avLst/>
+          </a:prstGeom>
+        </p:spPr>
+        <p:style>
+          <a:lnRef idx="2">
+            <a:schemeClr val="dk1"/>
+          </a:lnRef>
+          <a:fillRef idx="1">
+            <a:schemeClr val="lt1"/>
+          </a:fillRef>
+          <a:effectRef idx="0">
+            <a:schemeClr val="dk1"/>
+          </a:effectRef>
+          <a:fontRef idx="minor">
+            <a:schemeClr val="dk1"/>
+          </a:fontRef>
+        </p:style>
+        <p:txBody>
+          <a:bodyPr rtlCol="0" anchor="ctr"/>
+          <a:lstStyle/>
+          <a:p>
+            <a:pPr algn="ctr"/>
+            <a:r>
+              <a:rPr lang="en-US" altLang="ko-KR" dirty="0"/>
+              <a:t>8</a:t>
+            </a:r>
+            <a:endParaRPr lang="ko-KR" altLang="en-US" dirty="0"/>
+          </a:p>
+        </p:txBody>
+      </p:sp>
+      <p:sp>
+        <p:nvSpPr>
+          <p:cNvPr id="65" name="직사각형 64">
+            <a:extLst>
+              <a:ext uri="{FF2B5EF4-FFF2-40B4-BE49-F238E27FC236}">
+                <a16:creationId xmlns:a16="http://schemas.microsoft.com/office/drawing/2014/main" id="{DEF59E9F-E1C7-4056-A2BE-D957B77B867E}"/>
+              </a:ext>
+            </a:extLst>
+          </p:cNvPr>
+          <p:cNvSpPr/>
+          <p:nvPr/>
+        </p:nvSpPr>
+        <p:spPr>
+          <a:xfrm>
+            <a:off x="7824192" y="6063291"/>
+            <a:ext cx="524694" cy="453891"/>
+          </a:xfrm>
+          <a:prstGeom prst="rect">
+            <a:avLst/>
+          </a:prstGeom>
+        </p:spPr>
+        <p:style>
+          <a:lnRef idx="2">
+            <a:schemeClr val="dk1"/>
+          </a:lnRef>
+          <a:fillRef idx="1">
+            <a:schemeClr val="lt1"/>
+          </a:fillRef>
+          <a:effectRef idx="0">
+            <a:schemeClr val="dk1"/>
+          </a:effectRef>
+          <a:fontRef idx="minor">
+            <a:schemeClr val="dk1"/>
+          </a:fontRef>
+        </p:style>
+        <p:txBody>
+          <a:bodyPr rtlCol="0" anchor="ctr"/>
+          <a:lstStyle/>
+          <a:p>
+            <a:pPr algn="ctr"/>
+            <a:r>
+              <a:rPr lang="en-US" altLang="ko-KR" dirty="0"/>
+              <a:t>9</a:t>
+            </a:r>
+            <a:endParaRPr lang="ko-KR" altLang="en-US" dirty="0"/>
+          </a:p>
+        </p:txBody>
+      </p:sp>
+      <p:sp>
+        <p:nvSpPr>
+          <p:cNvPr id="67" name="직사각형 66">
+            <a:extLst>
+              <a:ext uri="{FF2B5EF4-FFF2-40B4-BE49-F238E27FC236}">
+                <a16:creationId xmlns:a16="http://schemas.microsoft.com/office/drawing/2014/main" id="{1FFDA7D3-C19F-457F-BE28-461229F58211}"/>
+              </a:ext>
+            </a:extLst>
+          </p:cNvPr>
+          <p:cNvSpPr/>
+          <p:nvPr/>
+        </p:nvSpPr>
+        <p:spPr>
+          <a:xfrm>
+            <a:off x="7824192" y="1983837"/>
+            <a:ext cx="524694" cy="453891"/>
+          </a:xfrm>
+          <a:prstGeom prst="rect">
+            <a:avLst/>
+          </a:prstGeom>
+        </p:spPr>
+        <p:style>
+          <a:lnRef idx="2">
+            <a:schemeClr val="dk1"/>
+          </a:lnRef>
+          <a:fillRef idx="1">
+            <a:schemeClr val="lt1"/>
+          </a:fillRef>
+          <a:effectRef idx="0">
+            <a:schemeClr val="dk1"/>
+          </a:effectRef>
+          <a:fontRef idx="minor">
+            <a:schemeClr val="dk1"/>
+          </a:fontRef>
+        </p:style>
+        <p:txBody>
+          <a:bodyPr rtlCol="0" anchor="ctr"/>
+          <a:lstStyle/>
+          <a:p>
+            <a:pPr algn="ctr"/>
+            <a:r>
+              <a:rPr lang="en-US" altLang="ko-KR" dirty="0"/>
+              <a:t>0</a:t>
+            </a:r>
+            <a:endParaRPr lang="ko-KR" altLang="en-US" dirty="0"/>
+          </a:p>
+        </p:txBody>
+      </p:sp>
     </p:spTree>
     <p:extLst>
       <p:ext uri="{BB962C8B-B14F-4D97-AF65-F5344CB8AC3E}">
